--- a/ppt_slides/prepare_ELM2017_29MAY2017.pptx
+++ b/ppt_slides/prepare_ELM2017_29MAY2017.pptx
@@ -371,7 +371,7 @@
           <a:p>
             <a:fld id="{96223AE4-0464-1543-A980-755D476CA001}" type="datetimeFigureOut">
               <a:rPr kumimoji="1" lang="ko-KR" altLang="en-US" smtClean="0"/>
-              <a:t>2017. 5. 29.</a:t>
+              <a:t>2017. 5. 31.</a:t>
             </a:fld>
             <a:endParaRPr kumimoji="1" lang="ko-KR" altLang="en-US"/>
           </a:p>
@@ -1583,7 +1583,7 @@
           <a:p>
             <a:fld id="{E3EFA205-6D7A-A342-8BD2-019DFBBA20DC}" type="datetimeFigureOut">
               <a:rPr kumimoji="1" lang="ko-KR" altLang="en-US" smtClean="0"/>
-              <a:t>2017. 5. 29.</a:t>
+              <a:t>2017. 5. 31.</a:t>
             </a:fld>
             <a:endParaRPr kumimoji="1" lang="ko-KR" altLang="en-US"/>
           </a:p>
@@ -1753,7 +1753,7 @@
           <a:p>
             <a:fld id="{E3EFA205-6D7A-A342-8BD2-019DFBBA20DC}" type="datetimeFigureOut">
               <a:rPr kumimoji="1" lang="ko-KR" altLang="en-US" smtClean="0"/>
-              <a:t>2017. 5. 29.</a:t>
+              <a:t>2017. 5. 31.</a:t>
             </a:fld>
             <a:endParaRPr kumimoji="1" lang="ko-KR" altLang="en-US"/>
           </a:p>
@@ -1933,7 +1933,7 @@
           <a:p>
             <a:fld id="{E3EFA205-6D7A-A342-8BD2-019DFBBA20DC}" type="datetimeFigureOut">
               <a:rPr kumimoji="1" lang="ko-KR" altLang="en-US" smtClean="0"/>
-              <a:t>2017. 5. 29.</a:t>
+              <a:t>2017. 5. 31.</a:t>
             </a:fld>
             <a:endParaRPr kumimoji="1" lang="ko-KR" altLang="en-US"/>
           </a:p>
@@ -2103,7 +2103,7 @@
           <a:p>
             <a:fld id="{E3EFA205-6D7A-A342-8BD2-019DFBBA20DC}" type="datetimeFigureOut">
               <a:rPr kumimoji="1" lang="ko-KR" altLang="en-US" smtClean="0"/>
-              <a:t>2017. 5. 29.</a:t>
+              <a:t>2017. 5. 31.</a:t>
             </a:fld>
             <a:endParaRPr kumimoji="1" lang="ko-KR" altLang="en-US"/>
           </a:p>
@@ -2349,7 +2349,7 @@
           <a:p>
             <a:fld id="{E3EFA205-6D7A-A342-8BD2-019DFBBA20DC}" type="datetimeFigureOut">
               <a:rPr kumimoji="1" lang="ko-KR" altLang="en-US" smtClean="0"/>
-              <a:t>2017. 5. 29.</a:t>
+              <a:t>2017. 5. 31.</a:t>
             </a:fld>
             <a:endParaRPr kumimoji="1" lang="ko-KR" altLang="en-US"/>
           </a:p>
@@ -2581,7 +2581,7 @@
           <a:p>
             <a:fld id="{E3EFA205-6D7A-A342-8BD2-019DFBBA20DC}" type="datetimeFigureOut">
               <a:rPr kumimoji="1" lang="ko-KR" altLang="en-US" smtClean="0"/>
-              <a:t>2017. 5. 29.</a:t>
+              <a:t>2017. 5. 31.</a:t>
             </a:fld>
             <a:endParaRPr kumimoji="1" lang="ko-KR" altLang="en-US"/>
           </a:p>
@@ -2948,7 +2948,7 @@
           <a:p>
             <a:fld id="{E3EFA205-6D7A-A342-8BD2-019DFBBA20DC}" type="datetimeFigureOut">
               <a:rPr kumimoji="1" lang="ko-KR" altLang="en-US" smtClean="0"/>
-              <a:t>2017. 5. 29.</a:t>
+              <a:t>2017. 5. 31.</a:t>
             </a:fld>
             <a:endParaRPr kumimoji="1" lang="ko-KR" altLang="en-US"/>
           </a:p>
@@ -3066,7 +3066,7 @@
           <a:p>
             <a:fld id="{E3EFA205-6D7A-A342-8BD2-019DFBBA20DC}" type="datetimeFigureOut">
               <a:rPr kumimoji="1" lang="ko-KR" altLang="en-US" smtClean="0"/>
-              <a:t>2017. 5. 29.</a:t>
+              <a:t>2017. 5. 31.</a:t>
             </a:fld>
             <a:endParaRPr kumimoji="1" lang="ko-KR" altLang="en-US"/>
           </a:p>
@@ -3161,7 +3161,7 @@
           <a:p>
             <a:fld id="{E3EFA205-6D7A-A342-8BD2-019DFBBA20DC}" type="datetimeFigureOut">
               <a:rPr kumimoji="1" lang="ko-KR" altLang="en-US" smtClean="0"/>
-              <a:t>2017. 5. 29.</a:t>
+              <a:t>2017. 5. 31.</a:t>
             </a:fld>
             <a:endParaRPr kumimoji="1" lang="ko-KR" altLang="en-US"/>
           </a:p>
@@ -3438,7 +3438,7 @@
           <a:p>
             <a:fld id="{E3EFA205-6D7A-A342-8BD2-019DFBBA20DC}" type="datetimeFigureOut">
               <a:rPr kumimoji="1" lang="ko-KR" altLang="en-US" smtClean="0"/>
-              <a:t>2017. 5. 29.</a:t>
+              <a:t>2017. 5. 31.</a:t>
             </a:fld>
             <a:endParaRPr kumimoji="1" lang="ko-KR" altLang="en-US"/>
           </a:p>
@@ -3691,7 +3691,7 @@
           <a:p>
             <a:fld id="{E3EFA205-6D7A-A342-8BD2-019DFBBA20DC}" type="datetimeFigureOut">
               <a:rPr kumimoji="1" lang="ko-KR" altLang="en-US" smtClean="0"/>
-              <a:t>2017. 5. 29.</a:t>
+              <a:t>2017. 5. 31.</a:t>
             </a:fld>
             <a:endParaRPr kumimoji="1" lang="ko-KR" altLang="en-US"/>
           </a:p>
@@ -3904,7 +3904,7 @@
           <a:p>
             <a:fld id="{E3EFA205-6D7A-A342-8BD2-019DFBBA20DC}" type="datetimeFigureOut">
               <a:rPr kumimoji="1" lang="ko-KR" altLang="en-US" smtClean="0"/>
-              <a:t>2017. 5. 29.</a:t>
+              <a:t>2017. 5. 31.</a:t>
             </a:fld>
             <a:endParaRPr kumimoji="1" lang="ko-KR" altLang="en-US"/>
           </a:p>
@@ -4447,15 +4447,7 @@
                 <a:ea typeface="Arial" charset="0"/>
                 <a:cs typeface="Arial" charset="0"/>
               </a:rPr>
-              <a:t>29 </a:t>
-            </a:r>
-            <a:r>
-              <a:rPr kumimoji="1" lang="en-US" altLang="ko-KR" dirty="0" smtClean="0">
-                <a:latin typeface="Arial" charset="0"/>
-                <a:ea typeface="Arial" charset="0"/>
-                <a:cs typeface="Arial" charset="0"/>
-              </a:rPr>
-              <a:t>MAY 2017</a:t>
+              <a:t>29 MAY 2017</a:t>
             </a:r>
           </a:p>
           <a:p>
@@ -21836,19 +21828,61 @@
                 <a:ea typeface="Arial" charset="0"/>
                 <a:cs typeface="Arial" charset="0"/>
               </a:rPr>
-              <a:t>MAPE</a:t>
-            </a:r>
+              <a:t>MAPE (</a:t>
+            </a:r>
+            <a:r>
+              <a:rPr kumimoji="1" lang="en-US" altLang="ko-KR" dirty="0">
+                <a:latin typeface="Arial" charset="0"/>
+                <a:ea typeface="Arial" charset="0"/>
+                <a:cs typeface="Arial" charset="0"/>
+              </a:rPr>
+              <a:t>mean absolute percentage error)</a:t>
+            </a:r>
+            <a:endParaRPr kumimoji="1" lang="en-US" altLang="ko-KR" dirty="0" smtClean="0">
+              <a:latin typeface="Arial" charset="0"/>
+              <a:ea typeface="Arial" charset="0"/>
+              <a:cs typeface="Arial" charset="0"/>
+            </a:endParaRPr>
           </a:p>
           <a:p>
             <a:pPr lvl="1"/>
             <a:r>
+              <a:rPr kumimoji="1" lang="en-US" altLang="ko-KR" dirty="0">
+                <a:latin typeface="Arial" charset="0"/>
+                <a:ea typeface="Arial" charset="0"/>
+                <a:cs typeface="Arial" charset="0"/>
+              </a:rPr>
+              <a:t>MAE (mean </a:t>
+            </a:r>
+            <a:r>
               <a:rPr kumimoji="1" lang="en-US" altLang="ko-KR" dirty="0" smtClean="0">
                 <a:latin typeface="Arial" charset="0"/>
                 <a:ea typeface="Arial" charset="0"/>
                 <a:cs typeface="Arial" charset="0"/>
               </a:rPr>
-              <a:t>MAE</a:t>
-            </a:r>
+              <a:t>absolute </a:t>
+            </a:r>
+            <a:r>
+              <a:rPr kumimoji="1" lang="en-US" altLang="ko-KR" dirty="0">
+                <a:latin typeface="Arial" charset="0"/>
+                <a:ea typeface="Arial" charset="0"/>
+                <a:cs typeface="Arial" charset="0"/>
+              </a:rPr>
+              <a:t>error</a:t>
+            </a:r>
+            <a:r>
+              <a:rPr kumimoji="1" lang="en-US" altLang="ko-KR" dirty="0" smtClean="0">
+                <a:latin typeface="Arial" charset="0"/>
+                <a:ea typeface="Arial" charset="0"/>
+                <a:cs typeface="Arial" charset="0"/>
+              </a:rPr>
+              <a:t>)</a:t>
+            </a:r>
+            <a:endParaRPr kumimoji="1" lang="en-US" altLang="ko-KR" dirty="0" smtClean="0">
+              <a:latin typeface="Arial" charset="0"/>
+              <a:ea typeface="Arial" charset="0"/>
+              <a:cs typeface="Arial" charset="0"/>
+            </a:endParaRPr>
           </a:p>
           <a:p>
             <a:r>
@@ -28577,10 +28611,21 @@
                 <a:ea typeface="Arial" charset="0"/>
                 <a:cs typeface="Arial" charset="0"/>
               </a:rPr>
-              <a:t>fast training/tuning speed of ELM</a:t>
-            </a:r>
-            <a:r>
-              <a:rPr lang="en-US" altLang="ko-KR" dirty="0">
+              <a:t>fast training/tuning speed of </a:t>
+            </a:r>
+            <a:r>
+              <a:rPr lang="en-US" altLang="ko-KR" dirty="0" smtClean="0">
+                <a:solidFill>
+                  <a:schemeClr val="accent1"/>
+                </a:solidFill>
+                <a:latin typeface="Arial" charset="0"/>
+                <a:ea typeface="Arial" charset="0"/>
+                <a:cs typeface="Arial" charset="0"/>
+              </a:rPr>
+              <a:t>feed-forward neural network</a:t>
+            </a:r>
+            <a:r>
+              <a:rPr lang="en-US" altLang="ko-KR" dirty="0" smtClean="0">
                 <a:latin typeface="Arial" charset="0"/>
                 <a:ea typeface="Arial" charset="0"/>
                 <a:cs typeface="Arial" charset="0"/>
@@ -30517,7 +30562,7 @@
                 <a:ea typeface="Arial" charset="0"/>
                 <a:cs typeface="Arial" charset="0"/>
               </a:rPr>
-              <a:t> of the input raw </a:t>
+              <a:t> of the </a:t>
             </a:r>
             <a:r>
               <a:rPr kumimoji="1" lang="en-US" altLang="ko-KR" dirty="0" smtClean="0">
@@ -30525,6 +30570,14 @@
                 <a:ea typeface="Arial" charset="0"/>
                 <a:cs typeface="Arial" charset="0"/>
               </a:rPr>
+              <a:t>input raw </a:t>
+            </a:r>
+            <a:r>
+              <a:rPr kumimoji="1" lang="en-US" altLang="ko-KR" dirty="0" smtClean="0">
+                <a:latin typeface="Arial" charset="0"/>
+                <a:ea typeface="Arial" charset="0"/>
+                <a:cs typeface="Arial" charset="0"/>
+              </a:rPr>
               <a:t>data.</a:t>
             </a:r>
           </a:p>
@@ -30562,12 +30615,20 @@
               <a:t>the </a:t>
             </a:r>
             <a:r>
+              <a:rPr kumimoji="1" lang="en-US" altLang="ko-KR" b="1" dirty="0" smtClean="0">
+                <a:latin typeface="Arial" charset="0"/>
+                <a:ea typeface="Arial" charset="0"/>
+                <a:cs typeface="Arial" charset="0"/>
+              </a:rPr>
+              <a:t>raw </a:t>
+            </a:r>
+            <a:r>
               <a:rPr kumimoji="1" lang="en-US" altLang="ko-KR" b="1" dirty="0">
                 <a:latin typeface="Arial" charset="0"/>
                 <a:ea typeface="Arial" charset="0"/>
                 <a:cs typeface="Arial" charset="0"/>
               </a:rPr>
-              <a:t>raw data</a:t>
+              <a:t>data</a:t>
             </a:r>
             <a:r>
               <a:rPr kumimoji="1" lang="en-US" altLang="ko-KR" dirty="0">

--- a/ppt_slides/prepare_ELM2017_29MAY2017.pptx
+++ b/ppt_slides/prepare_ELM2017_29MAY2017.pptx
@@ -28219,22 +28219,13 @@
               <a:t>Australian Energy Market Operator [Online]. Available at </a:t>
             </a:r>
             <a:r>
-              <a:rPr kumimoji="1" lang="en-US" altLang="ko-KR" sz="1600" dirty="0">
+              <a:rPr kumimoji="1" lang="en-US" altLang="ko-KR" sz="1600" dirty="0" smtClean="0">
                 <a:latin typeface="Arial" charset="0"/>
                 <a:ea typeface="Arial" charset="0"/>
                 <a:cs typeface="Arial" charset="0"/>
                 <a:hlinkClick r:id="rId2"/>
               </a:rPr>
-              <a:t>http://</a:t>
-            </a:r>
-            <a:r>
-              <a:rPr kumimoji="1" lang="en-US" altLang="ko-KR" sz="1600" dirty="0" smtClean="0">
-                <a:latin typeface="Arial" charset="0"/>
-                <a:ea typeface="Arial" charset="0"/>
-                <a:cs typeface="Arial" charset="0"/>
-                <a:hlinkClick r:id="rId2"/>
-              </a:rPr>
-              <a:t>www.aemo.com.au/</a:t>
+              <a:t>http://www.aemo.com.au/</a:t>
             </a:r>
             <a:endParaRPr kumimoji="1" lang="en-US" altLang="ko-KR" sz="1600" dirty="0" smtClean="0">
               <a:latin typeface="Arial" charset="0"/>
@@ -31122,7 +31113,23 @@
                       <a:schemeClr val="tx1"/>
                     </a:solidFill>
                   </a:rPr>
-                  <a:t>Learning Algorithm</a:t>
+                  <a:t>STLF</a:t>
+                </a:r>
+                <a:endParaRPr kumimoji="1" lang="en-US" altLang="ko-KR" dirty="0" smtClean="0">
+                  <a:solidFill>
+                    <a:schemeClr val="tx1"/>
+                  </a:solidFill>
+                </a:endParaRPr>
+              </a:p>
+              <a:p>
+                <a:pPr algn="ctr"/>
+                <a:r>
+                  <a:rPr kumimoji="1" lang="en-US" altLang="ko-KR" dirty="0" smtClean="0">
+                    <a:solidFill>
+                      <a:schemeClr val="tx1"/>
+                    </a:solidFill>
+                  </a:rPr>
+                  <a:t>Model</a:t>
                 </a:r>
                 <a:endParaRPr kumimoji="1" lang="ko-KR" altLang="en-US" dirty="0">
                   <a:solidFill>
@@ -31316,7 +31323,18 @@
                       <a:schemeClr val="tx1"/>
                     </a:solidFill>
                   </a:rPr>
-                  <a:t>Learning Algorithm</a:t>
+                  <a:t>STLF</a:t>
+                </a:r>
+              </a:p>
+              <a:p>
+                <a:pPr algn="ctr"/>
+                <a:r>
+                  <a:rPr kumimoji="1" lang="en-US" altLang="ko-KR" dirty="0" smtClean="0">
+                    <a:solidFill>
+                      <a:schemeClr val="tx1"/>
+                    </a:solidFill>
+                  </a:rPr>
+                  <a:t>Model</a:t>
                 </a:r>
                 <a:endParaRPr kumimoji="1" lang="ko-KR" altLang="en-US" dirty="0">
                   <a:solidFill>
